--- a/base_de_datos_I/clases_practicas/LAB_01 (solution).pptx
+++ b/base_de_datos_I/clases_practicas/LAB_01 (solution).pptx
@@ -9,8 +9,8 @@
   </p:notesMasterIdLst>
   <p:sldIdLst>
     <p:sldId id="256" r:id="rId3"/>
-    <p:sldId id="257" r:id="rId4"/>
-    <p:sldId id="259" r:id="rId5"/>
+    <p:sldId id="259" r:id="rId4"/>
+    <p:sldId id="257" r:id="rId5"/>
     <p:sldId id="258" r:id="rId6"/>
     <p:sldId id="260" r:id="rId7"/>
     <p:sldId id="263" r:id="rId8"/>
@@ -7120,6 +7120,204 @@
           </a:fontRef>
         </p:style>
       </p:cxnSp>
+      <p:sp>
+        <p:nvSpPr>
+          <p:cNvPr id="28" name="Oval 27"/>
+          <p:cNvSpPr/>
+          <p:nvPr/>
+        </p:nvSpPr>
+        <p:spPr>
+          <a:xfrm>
+            <a:off x="2026920" y="3515360"/>
+            <a:ext cx="1012190" cy="511810"/>
+          </a:xfrm>
+          <a:prstGeom prst="ellipse">
+            <a:avLst/>
+          </a:prstGeom>
+          <a:ln w="38100">
+            <a:prstDash val="sysDash"/>
+          </a:ln>
+        </p:spPr>
+        <p:style>
+          <a:lnRef idx="2">
+            <a:schemeClr val="accent3">
+              <a:shade val="50000"/>
+            </a:schemeClr>
+          </a:lnRef>
+          <a:fillRef idx="1">
+            <a:schemeClr val="accent3"/>
+          </a:fillRef>
+          <a:effectRef idx="0">
+            <a:schemeClr val="accent3"/>
+          </a:effectRef>
+          <a:fontRef idx="minor">
+            <a:schemeClr val="lt1"/>
+          </a:fontRef>
+        </p:style>
+        <p:txBody>
+          <a:bodyPr rtlCol="0" anchor="ctr"/>
+          <a:p>
+            <a:pPr algn="ctr"/>
+            <a:r>
+              <a:rPr lang="en-US" sz="1200" u="sng"/>
+              <a:t>SteamID</a:t>
+            </a:r>
+            <a:endParaRPr lang="en-US" sz="1200" u="sng"/>
+          </a:p>
+        </p:txBody>
+      </p:sp>
+      <p:cxnSp>
+        <p:nvCxnSpPr>
+          <p:cNvPr id="30" name="Straight Connector 29"/>
+          <p:cNvCxnSpPr>
+            <a:stCxn id="28" idx="4"/>
+            <a:endCxn id="34" idx="0"/>
+          </p:cNvCxnSpPr>
+          <p:nvPr/>
+        </p:nvCxnSpPr>
+        <p:spPr>
+          <a:xfrm>
+            <a:off x="2533015" y="4027170"/>
+            <a:ext cx="0" cy="199390"/>
+          </a:xfrm>
+          <a:prstGeom prst="line">
+            <a:avLst/>
+          </a:prstGeom>
+          <a:ln w="38100">
+            <a:solidFill>
+              <a:schemeClr val="accent4">
+                <a:lumMod val="75000"/>
+              </a:schemeClr>
+            </a:solidFill>
+          </a:ln>
+        </p:spPr>
+        <p:style>
+          <a:lnRef idx="1">
+            <a:schemeClr val="accent1"/>
+          </a:lnRef>
+          <a:fillRef idx="0">
+            <a:schemeClr val="accent1"/>
+          </a:fillRef>
+          <a:effectRef idx="0">
+            <a:schemeClr val="accent1"/>
+          </a:effectRef>
+          <a:fontRef idx="minor">
+            <a:schemeClr val="tx1"/>
+          </a:fontRef>
+        </p:style>
+      </p:cxnSp>
+      <p:sp>
+        <p:nvSpPr>
+          <p:cNvPr id="34" name="Rectangles 33"/>
+          <p:cNvSpPr/>
+          <p:nvPr/>
+        </p:nvSpPr>
+        <p:spPr>
+          <a:xfrm>
+            <a:off x="1636395" y="4226560"/>
+            <a:ext cx="1793240" cy="828040"/>
+          </a:xfrm>
+          <a:prstGeom prst="rect">
+            <a:avLst/>
+          </a:prstGeom>
+        </p:spPr>
+        <p:style>
+          <a:lnRef idx="2">
+            <a:schemeClr val="accent1">
+              <a:shade val="50000"/>
+            </a:schemeClr>
+          </a:lnRef>
+          <a:fillRef idx="1">
+            <a:schemeClr val="accent1"/>
+          </a:fillRef>
+          <a:effectRef idx="0">
+            <a:schemeClr val="accent1"/>
+          </a:effectRef>
+          <a:fontRef idx="minor">
+            <a:schemeClr val="lt1"/>
+          </a:fontRef>
+        </p:style>
+        <p:txBody>
+          <a:bodyPr rtlCol="0" anchor="ctr"/>
+          <a:p>
+            <a:pPr algn="ctr"/>
+            <a:r>
+              <a:rPr lang="en-US"/>
+              <a:t>USUARIO VERIFICADO</a:t>
+            </a:r>
+            <a:endParaRPr lang="en-US"/>
+          </a:p>
+        </p:txBody>
+      </p:sp>
+      <p:cxnSp>
+        <p:nvCxnSpPr>
+          <p:cNvPr id="4" name="Straight Connector 3"/>
+          <p:cNvCxnSpPr>
+            <a:stCxn id="12" idx="1"/>
+            <a:endCxn id="34" idx="3"/>
+          </p:cNvCxnSpPr>
+          <p:nvPr/>
+        </p:nvCxnSpPr>
+        <p:spPr>
+          <a:xfrm flipH="1" flipV="1">
+            <a:off x="3429635" y="4640580"/>
+            <a:ext cx="1413510" cy="635"/>
+          </a:xfrm>
+          <a:prstGeom prst="line">
+            <a:avLst/>
+          </a:prstGeom>
+          <a:ln w="38100">
+            <a:solidFill>
+              <a:schemeClr val="accent4">
+                <a:lumMod val="75000"/>
+              </a:schemeClr>
+            </a:solidFill>
+          </a:ln>
+        </p:spPr>
+        <p:style>
+          <a:lnRef idx="1">
+            <a:schemeClr val="accent1"/>
+          </a:lnRef>
+          <a:fillRef idx="0">
+            <a:schemeClr val="accent1"/>
+          </a:fillRef>
+          <a:effectRef idx="0">
+            <a:schemeClr val="accent1"/>
+          </a:effectRef>
+          <a:fontRef idx="minor">
+            <a:schemeClr val="tx1"/>
+          </a:fontRef>
+        </p:style>
+      </p:cxnSp>
+      <p:sp>
+        <p:nvSpPr>
+          <p:cNvPr id="5" name="Text Box 4"/>
+          <p:cNvSpPr txBox="1"/>
+          <p:nvPr/>
+        </p:nvSpPr>
+        <p:spPr>
+          <a:xfrm>
+            <a:off x="3429635" y="4272915"/>
+            <a:ext cx="471170" cy="368300"/>
+          </a:xfrm>
+          <a:prstGeom prst="rect">
+            <a:avLst/>
+          </a:prstGeom>
+          <a:noFill/>
+        </p:spPr>
+        <p:txBody>
+          <a:bodyPr wrap="none" rtlCol="0">
+            <a:spAutoFit/>
+          </a:bodyPr>
+          <a:p>
+            <a:r>
+              <a:rPr lang="en-US"/>
+              <a:t>0,1</a:t>
+            </a:r>
+            <a:endParaRPr lang="en-US"/>
+          </a:p>
+        </p:txBody>
+      </p:sp>
     </p:spTree>
   </p:cSld>
   <p:clrMapOvr>
@@ -14157,7 +14355,7 @@
           <a:p>
             <a:r>
               <a:rPr lang="en-US"/>
-              <a:t>Ejercicio 3.2</a:t>
+              <a:t>Leyenda</a:t>
             </a:r>
             <a:endParaRPr lang="en-US"/>
           </a:p>
@@ -14173,23 +14371,108 @@
             <p:ph idx="1"/>
           </p:nvPr>
         </p:nvSpPr>
-        <p:spPr>
-          <a:xfrm>
-            <a:off x="838200" y="1873250"/>
-            <a:ext cx="10515600" cy="4304030"/>
-          </a:xfrm>
-        </p:spPr>
+        <p:spPr/>
         <p:txBody>
           <a:bodyPr/>
           <a:p>
-            <a:pPr marL="0" indent="0">
-              <a:buNone/>
-            </a:pPr>
-            <a:r>
-              <a:rPr lang="en-US" sz="2400"/>
-              <a:t>En la facultad existen varios proyectos de investigación, de los cuales se conoce el identificador, el nombre y el área de relevancia. En estos proyectos trabajan investigadores de los cuales se conoce su id, nombre y grado científico. Además la facultad cuenta con ciertos recursos destinados a la investigación como pueden ser equipos de cómputo, APIs de pago, servidores en la nube, etc. De los recursos se conoce su id, nombre, tipo y descripción. Los investigadores que trabajan en un proyecto pueden solicitar todos los recursos que sean necesarios para ese proyecto en específico. Un investigador trabajando en un mismo proyecto puede solicitar un recurso una sola vez.</a:t>
-            </a:r>
-            <a:endParaRPr lang="en-US" sz="2400"/>
+            <a:r>
+              <a:rPr lang="en-US">
+                <a:solidFill>
+                  <a:schemeClr val="bg1">
+                    <a:lumMod val="50000"/>
+                  </a:schemeClr>
+                </a:solidFill>
+              </a:rPr>
+              <a:t>Atributos</a:t>
+            </a:r>
+            <a:endParaRPr lang="en-US">
+              <a:solidFill>
+                <a:schemeClr val="bg1">
+                  <a:lumMod val="50000"/>
+                </a:schemeClr>
+              </a:solidFill>
+            </a:endParaRPr>
+          </a:p>
+          <a:p>
+            <a:r>
+              <a:rPr lang="en-US" u="sng">
+                <a:solidFill>
+                  <a:schemeClr val="bg1">
+                    <a:lumMod val="50000"/>
+                  </a:schemeClr>
+                </a:solidFill>
+              </a:rPr>
+              <a:t>LLave</a:t>
+            </a:r>
+            <a:endParaRPr lang="en-US" u="sng">
+              <a:solidFill>
+                <a:schemeClr val="bg1">
+                  <a:lumMod val="50000"/>
+                </a:schemeClr>
+              </a:solidFill>
+            </a:endParaRPr>
+          </a:p>
+          <a:p>
+            <a:r>
+              <a:rPr lang="en-US">
+                <a:solidFill>
+                  <a:srgbClr val="0070C0"/>
+                </a:solidFill>
+              </a:rPr>
+              <a:t>Entidad</a:t>
+            </a:r>
+            <a:endParaRPr lang="en-US">
+              <a:solidFill>
+                <a:srgbClr val="0070C0"/>
+              </a:solidFill>
+            </a:endParaRPr>
+          </a:p>
+          <a:p>
+            <a:r>
+              <a:rPr lang="en-US">
+                <a:solidFill>
+                  <a:schemeClr val="accent4">
+                    <a:lumMod val="75000"/>
+                  </a:schemeClr>
+                </a:solidFill>
+              </a:rPr>
+              <a:t>Interrelación</a:t>
+            </a:r>
+            <a:endParaRPr lang="en-US">
+              <a:solidFill>
+                <a:srgbClr val="FF0000"/>
+              </a:solidFill>
+            </a:endParaRPr>
+          </a:p>
+          <a:p>
+            <a:r>
+              <a:rPr lang="en-US">
+                <a:solidFill>
+                  <a:srgbClr val="00B050"/>
+                </a:solidFill>
+              </a:rPr>
+              <a:t>Especialización</a:t>
+            </a:r>
+            <a:endParaRPr lang="en-US">
+              <a:solidFill>
+                <a:srgbClr val="FF0000"/>
+              </a:solidFill>
+            </a:endParaRPr>
+          </a:p>
+          <a:p>
+            <a:r>
+              <a:rPr lang="en-US">
+                <a:solidFill>
+                  <a:srgbClr val="EC60C0"/>
+                </a:solidFill>
+              </a:rPr>
+              <a:t>Tipo</a:t>
+            </a:r>
+            <a:endParaRPr lang="en-US">
+              <a:solidFill>
+                <a:srgbClr val="EC60C0"/>
+              </a:solidFill>
+            </a:endParaRPr>
           </a:p>
         </p:txBody>
       </p:sp>
@@ -21288,7 +21571,7 @@
           <a:p>
             <a:r>
               <a:rPr lang="en-US"/>
-              <a:t>Leyenda</a:t>
+              <a:t>Ejercicio 3.2</a:t>
             </a:r>
             <a:endParaRPr lang="en-US"/>
           </a:p>
@@ -21304,108 +21587,23 @@
             <p:ph idx="1"/>
           </p:nvPr>
         </p:nvSpPr>
-        <p:spPr/>
+        <p:spPr>
+          <a:xfrm>
+            <a:off x="838200" y="1873250"/>
+            <a:ext cx="10515600" cy="4304030"/>
+          </a:xfrm>
+        </p:spPr>
         <p:txBody>
           <a:bodyPr/>
           <a:p>
-            <a:r>
-              <a:rPr lang="en-US">
-                <a:solidFill>
-                  <a:schemeClr val="bg1">
-                    <a:lumMod val="50000"/>
-                  </a:schemeClr>
-                </a:solidFill>
-              </a:rPr>
-              <a:t>Atributos</a:t>
-            </a:r>
-            <a:endParaRPr lang="en-US">
-              <a:solidFill>
-                <a:schemeClr val="bg1">
-                  <a:lumMod val="50000"/>
-                </a:schemeClr>
-              </a:solidFill>
-            </a:endParaRPr>
-          </a:p>
-          <a:p>
-            <a:r>
-              <a:rPr lang="en-US" u="sng">
-                <a:solidFill>
-                  <a:schemeClr val="bg1">
-                    <a:lumMod val="50000"/>
-                  </a:schemeClr>
-                </a:solidFill>
-              </a:rPr>
-              <a:t>LLave</a:t>
-            </a:r>
-            <a:endParaRPr lang="en-US" u="sng">
-              <a:solidFill>
-                <a:schemeClr val="bg1">
-                  <a:lumMod val="50000"/>
-                </a:schemeClr>
-              </a:solidFill>
-            </a:endParaRPr>
-          </a:p>
-          <a:p>
-            <a:r>
-              <a:rPr lang="en-US">
-                <a:solidFill>
-                  <a:srgbClr val="0070C0"/>
-                </a:solidFill>
-              </a:rPr>
-              <a:t>Entidad</a:t>
-            </a:r>
-            <a:endParaRPr lang="en-US">
-              <a:solidFill>
-                <a:srgbClr val="0070C0"/>
-              </a:solidFill>
-            </a:endParaRPr>
-          </a:p>
-          <a:p>
-            <a:r>
-              <a:rPr lang="en-US">
-                <a:solidFill>
-                  <a:schemeClr val="accent4">
-                    <a:lumMod val="75000"/>
-                  </a:schemeClr>
-                </a:solidFill>
-              </a:rPr>
-              <a:t>Interrelación</a:t>
-            </a:r>
-            <a:endParaRPr lang="en-US">
-              <a:solidFill>
-                <a:srgbClr val="FF0000"/>
-              </a:solidFill>
-            </a:endParaRPr>
-          </a:p>
-          <a:p>
-            <a:r>
-              <a:rPr lang="en-US">
-                <a:solidFill>
-                  <a:srgbClr val="00B050"/>
-                </a:solidFill>
-              </a:rPr>
-              <a:t>Especialización</a:t>
-            </a:r>
-            <a:endParaRPr lang="en-US">
-              <a:solidFill>
-                <a:srgbClr val="FF0000"/>
-              </a:solidFill>
-            </a:endParaRPr>
-          </a:p>
-          <a:p>
-            <a:r>
-              <a:rPr lang="en-US">
-                <a:solidFill>
-                  <a:srgbClr val="EC60C0"/>
-                </a:solidFill>
-              </a:rPr>
-              <a:t>Tipo</a:t>
-            </a:r>
-            <a:endParaRPr lang="en-US">
-              <a:solidFill>
-                <a:srgbClr val="EC60C0"/>
-              </a:solidFill>
-            </a:endParaRPr>
+            <a:pPr marL="0" indent="0">
+              <a:buNone/>
+            </a:pPr>
+            <a:r>
+              <a:rPr lang="en-US" sz="2400"/>
+              <a:t>En la facultad existen varios proyectos de investigación, de los cuales se conoce el identificador, el nombre y el área de relevancia. En estos proyectos trabajan investigadores de los cuales se conoce su id, nombre y grado científico. Además la facultad cuenta con ciertos recursos destinados a la investigación como pueden ser equipos de cómputo, APIs de pago, servidores en la nube, etc. De los recursos se conoce su id, nombre, tipo y descripción. Los investigadores que trabajan en un proyecto pueden solicitar todos los recursos que sean necesarios para ese proyecto en específico. Un investigador trabajando en un mismo proyecto puede solicitar un recurso una sola vez.</a:t>
+            </a:r>
+            <a:endParaRPr lang="en-US" sz="2400"/>
           </a:p>
         </p:txBody>
       </p:sp>
